--- a/analysis/figures/protocol_overview.pptx
+++ b/analysis/figures/protocol_overview.pptx
@@ -259,7 +259,7 @@
           <a:p>
             <a:fld id="{CEF0A1E2-C820-AB44-9118-1817D1EE5B5E}" type="datetimeFigureOut">
               <a:rPr lang="en-US" smtClean="0"/>
-              <a:t>7/1/2020</a:t>
+              <a:t>9/22/2021</a:t>
             </a:fld>
             <a:endParaRPr lang="en-US"/>
           </a:p>
@@ -457,7 +457,7 @@
           <a:p>
             <a:fld id="{CEF0A1E2-C820-AB44-9118-1817D1EE5B5E}" type="datetimeFigureOut">
               <a:rPr lang="en-US" smtClean="0"/>
-              <a:t>7/1/2020</a:t>
+              <a:t>9/22/2021</a:t>
             </a:fld>
             <a:endParaRPr lang="en-US"/>
           </a:p>
@@ -665,7 +665,7 @@
           <a:p>
             <a:fld id="{CEF0A1E2-C820-AB44-9118-1817D1EE5B5E}" type="datetimeFigureOut">
               <a:rPr lang="en-US" smtClean="0"/>
-              <a:t>7/1/2020</a:t>
+              <a:t>9/22/2021</a:t>
             </a:fld>
             <a:endParaRPr lang="en-US"/>
           </a:p>
@@ -863,7 +863,7 @@
           <a:p>
             <a:fld id="{CEF0A1E2-C820-AB44-9118-1817D1EE5B5E}" type="datetimeFigureOut">
               <a:rPr lang="en-US" smtClean="0"/>
-              <a:t>7/1/2020</a:t>
+              <a:t>9/22/2021</a:t>
             </a:fld>
             <a:endParaRPr lang="en-US"/>
           </a:p>
@@ -1138,7 +1138,7 @@
           <a:p>
             <a:fld id="{CEF0A1E2-C820-AB44-9118-1817D1EE5B5E}" type="datetimeFigureOut">
               <a:rPr lang="en-US" smtClean="0"/>
-              <a:t>7/1/2020</a:t>
+              <a:t>9/22/2021</a:t>
             </a:fld>
             <a:endParaRPr lang="en-US"/>
           </a:p>
@@ -1403,7 +1403,7 @@
           <a:p>
             <a:fld id="{CEF0A1E2-C820-AB44-9118-1817D1EE5B5E}" type="datetimeFigureOut">
               <a:rPr lang="en-US" smtClean="0"/>
-              <a:t>7/1/2020</a:t>
+              <a:t>9/22/2021</a:t>
             </a:fld>
             <a:endParaRPr lang="en-US"/>
           </a:p>
@@ -1815,7 +1815,7 @@
           <a:p>
             <a:fld id="{CEF0A1E2-C820-AB44-9118-1817D1EE5B5E}" type="datetimeFigureOut">
               <a:rPr lang="en-US" smtClean="0"/>
-              <a:t>7/1/2020</a:t>
+              <a:t>9/22/2021</a:t>
             </a:fld>
             <a:endParaRPr lang="en-US"/>
           </a:p>
@@ -1956,7 +1956,7 @@
           <a:p>
             <a:fld id="{CEF0A1E2-C820-AB44-9118-1817D1EE5B5E}" type="datetimeFigureOut">
               <a:rPr lang="en-US" smtClean="0"/>
-              <a:t>7/1/2020</a:t>
+              <a:t>9/22/2021</a:t>
             </a:fld>
             <a:endParaRPr lang="en-US"/>
           </a:p>
@@ -2069,7 +2069,7 @@
           <a:p>
             <a:fld id="{CEF0A1E2-C820-AB44-9118-1817D1EE5B5E}" type="datetimeFigureOut">
               <a:rPr lang="en-US" smtClean="0"/>
-              <a:t>7/1/2020</a:t>
+              <a:t>9/22/2021</a:t>
             </a:fld>
             <a:endParaRPr lang="en-US"/>
           </a:p>
@@ -2380,7 +2380,7 @@
           <a:p>
             <a:fld id="{CEF0A1E2-C820-AB44-9118-1817D1EE5B5E}" type="datetimeFigureOut">
               <a:rPr lang="en-US" smtClean="0"/>
-              <a:t>7/1/2020</a:t>
+              <a:t>9/22/2021</a:t>
             </a:fld>
             <a:endParaRPr lang="en-US"/>
           </a:p>
@@ -2668,7 +2668,7 @@
           <a:p>
             <a:fld id="{CEF0A1E2-C820-AB44-9118-1817D1EE5B5E}" type="datetimeFigureOut">
               <a:rPr lang="en-US" smtClean="0"/>
-              <a:t>7/1/2020</a:t>
+              <a:t>9/22/2021</a:t>
             </a:fld>
             <a:endParaRPr lang="en-US"/>
           </a:p>
@@ -2909,7 +2909,7 @@
           <a:p>
             <a:fld id="{CEF0A1E2-C820-AB44-9118-1817D1EE5B5E}" type="datetimeFigureOut">
               <a:rPr lang="en-US" smtClean="0"/>
-              <a:t>7/1/2020</a:t>
+              <a:t>9/22/2021</a:t>
             </a:fld>
             <a:endParaRPr lang="en-US"/>
           </a:p>
@@ -3341,9 +3341,9 @@
         <p:grpSpPr>
           <a:xfrm>
             <a:off x="253023" y="1090583"/>
-            <a:ext cx="11673513" cy="2695049"/>
+            <a:ext cx="11590568" cy="2695049"/>
             <a:chOff x="253023" y="1090583"/>
-            <a:chExt cx="11673513" cy="2695049"/>
+            <a:chExt cx="11590568" cy="2695049"/>
           </a:xfrm>
         </p:grpSpPr>
         <p:grpSp>
@@ -3361,9 +3361,9 @@
           <p:grpSpPr>
             <a:xfrm>
               <a:off x="253023" y="1090583"/>
-              <a:ext cx="11673513" cy="2695049"/>
+              <a:ext cx="11590568" cy="2695049"/>
               <a:chOff x="270201" y="1518972"/>
-              <a:chExt cx="11673513" cy="2695049"/>
+              <a:chExt cx="11590568" cy="2695049"/>
             </a:xfrm>
           </p:grpSpPr>
           <p:grpSp>
@@ -6449,9 +6449,9 @@
             <p:grpSpPr>
               <a:xfrm>
                 <a:off x="1724972" y="3226128"/>
-                <a:ext cx="466794" cy="683124"/>
+                <a:ext cx="466794" cy="960123"/>
                 <a:chOff x="1755994" y="3176781"/>
-                <a:chExt cx="466794" cy="683124"/>
+                <a:chExt cx="466794" cy="960123"/>
               </a:xfrm>
             </p:grpSpPr>
             <p:sp>
@@ -6469,7 +6469,7 @@
               <p:spPr>
                 <a:xfrm>
                   <a:off x="1755994" y="3490573"/>
-                  <a:ext cx="466794" cy="369332"/>
+                  <a:ext cx="466794" cy="646331"/>
                 </a:xfrm>
                 <a:prstGeom prst="rect">
                   <a:avLst/>
@@ -6488,6 +6488,15 @@
                       <a:cs typeface="Arial" panose="020B0604020202020204" pitchFamily="34" charset="0"/>
                     </a:rPr>
                     <a:t>S2</a:t>
+                  </a:r>
+                </a:p>
+                <a:p>
+                  <a:r>
+                    <a:rPr lang="en-US" dirty="0">
+                      <a:latin typeface="Arial" panose="020B0604020202020204" pitchFamily="34" charset="0"/>
+                      <a:cs typeface="Arial" panose="020B0604020202020204" pitchFamily="34" charset="0"/>
+                    </a:rPr>
+                    <a:t>B2</a:t>
                   </a:r>
                 </a:p>
               </p:txBody>
@@ -6539,10 +6548,10 @@
           </p:grpSp>
           <p:grpSp>
             <p:nvGrpSpPr>
-              <p:cNvPr id="241" name="Group 240">
+              <p:cNvPr id="244" name="Group 243">
                 <a:extLst>
                   <a:ext uri="{FF2B5EF4-FFF2-40B4-BE49-F238E27FC236}">
-                    <a16:creationId xmlns:a16="http://schemas.microsoft.com/office/drawing/2014/main" id="{6FAF95E7-FBC6-4A46-B083-D9D98B4A1FC5}"/>
+                    <a16:creationId xmlns:a16="http://schemas.microsoft.com/office/drawing/2014/main" id="{B49D1691-E975-42F9-97FC-7DA8FC2B1DFB}"/>
                   </a:ext>
                 </a:extLst>
               </p:cNvPr>
@@ -6551,18 +6560,18 @@
             </p:nvGrpSpPr>
             <p:grpSpPr>
               <a:xfrm>
-                <a:off x="10074983" y="3230989"/>
-                <a:ext cx="466794" cy="690796"/>
-                <a:chOff x="2751691" y="3176781"/>
-                <a:chExt cx="466794" cy="690796"/>
+                <a:off x="6835275" y="3227650"/>
+                <a:ext cx="607859" cy="690796"/>
+                <a:chOff x="906667" y="3176781"/>
+                <a:chExt cx="607859" cy="690796"/>
               </a:xfrm>
             </p:grpSpPr>
             <p:sp>
               <p:nvSpPr>
-                <p:cNvPr id="242" name="TextBox 241">
+                <p:cNvPr id="245" name="TextBox 244">
                   <a:extLst>
                     <a:ext uri="{FF2B5EF4-FFF2-40B4-BE49-F238E27FC236}">
-                      <a16:creationId xmlns:a16="http://schemas.microsoft.com/office/drawing/2014/main" id="{7808E64B-009D-40E2-9150-704B0DBDC79C}"/>
+                      <a16:creationId xmlns:a16="http://schemas.microsoft.com/office/drawing/2014/main" id="{90256689-A84A-4836-BAB9-D453B13A42E6}"/>
                     </a:ext>
                   </a:extLst>
                 </p:cNvPr>
@@ -6571,8 +6580,8 @@
               </p:nvSpPr>
               <p:spPr>
                 <a:xfrm>
-                  <a:off x="2751691" y="3498245"/>
-                  <a:ext cx="466794" cy="369332"/>
+                  <a:off x="906667" y="3498245"/>
+                  <a:ext cx="607859" cy="369332"/>
                 </a:xfrm>
                 <a:prstGeom prst="rect">
                   <a:avLst/>
@@ -6590,110 +6599,7 @@
                       <a:latin typeface="Arial" panose="020B0604020202020204" pitchFamily="34" charset="0"/>
                       <a:cs typeface="Arial" panose="020B0604020202020204" pitchFamily="34" charset="0"/>
                     </a:rPr>
-                    <a:t>B8</a:t>
-                  </a:r>
-                </a:p>
-              </p:txBody>
-            </p:sp>
-            <p:cxnSp>
-              <p:nvCxnSpPr>
-                <p:cNvPr id="243" name="Straight Arrow Connector 242">
-                  <a:extLst>
-                    <a:ext uri="{FF2B5EF4-FFF2-40B4-BE49-F238E27FC236}">
-                      <a16:creationId xmlns:a16="http://schemas.microsoft.com/office/drawing/2014/main" id="{512800E4-EA22-44AD-A74E-AA0D86AD5C59}"/>
-                    </a:ext>
-                  </a:extLst>
-                </p:cNvPr>
-                <p:cNvCxnSpPr>
-                  <a:cxnSpLocks/>
-                </p:cNvCxnSpPr>
-                <p:nvPr/>
-              </p:nvCxnSpPr>
-              <p:spPr>
-                <a:xfrm rot="16200000">
-                  <a:off x="2771774" y="3347534"/>
-                  <a:ext cx="341506" cy="0"/>
-                </a:xfrm>
-                <a:prstGeom prst="straightConnector1">
-                  <a:avLst/>
-                </a:prstGeom>
-                <a:ln w="19050">
-                  <a:solidFill>
-                    <a:schemeClr val="tx1"/>
-                  </a:solidFill>
-                  <a:tailEnd type="triangle"/>
-                </a:ln>
-              </p:spPr>
-              <p:style>
-                <a:lnRef idx="1">
-                  <a:schemeClr val="accent1"/>
-                </a:lnRef>
-                <a:fillRef idx="0">
-                  <a:schemeClr val="accent1"/>
-                </a:fillRef>
-                <a:effectRef idx="0">
-                  <a:schemeClr val="accent1"/>
-                </a:effectRef>
-                <a:fontRef idx="minor">
-                  <a:schemeClr val="tx1"/>
-                </a:fontRef>
-              </p:style>
-            </p:cxnSp>
-          </p:grpSp>
-          <p:grpSp>
-            <p:nvGrpSpPr>
-              <p:cNvPr id="244" name="Group 243">
-                <a:extLst>
-                  <a:ext uri="{FF2B5EF4-FFF2-40B4-BE49-F238E27FC236}">
-                    <a16:creationId xmlns:a16="http://schemas.microsoft.com/office/drawing/2014/main" id="{B49D1691-E975-42F9-97FC-7DA8FC2B1DFB}"/>
-                  </a:ext>
-                </a:extLst>
-              </p:cNvPr>
-              <p:cNvGrpSpPr/>
-              <p:nvPr/>
-            </p:nvGrpSpPr>
-            <p:grpSpPr>
-              <a:xfrm>
-                <a:off x="8680299" y="3227650"/>
-                <a:ext cx="466794" cy="690796"/>
-                <a:chOff x="2751691" y="3176781"/>
-                <a:chExt cx="466794" cy="690796"/>
-              </a:xfrm>
-            </p:grpSpPr>
-            <p:sp>
-              <p:nvSpPr>
-                <p:cNvPr id="245" name="TextBox 244">
-                  <a:extLst>
-                    <a:ext uri="{FF2B5EF4-FFF2-40B4-BE49-F238E27FC236}">
-                      <a16:creationId xmlns:a16="http://schemas.microsoft.com/office/drawing/2014/main" id="{90256689-A84A-4836-BAB9-D453B13A42E6}"/>
-                    </a:ext>
-                  </a:extLst>
-                </p:cNvPr>
-                <p:cNvSpPr txBox="1"/>
-                <p:nvPr/>
-              </p:nvSpPr>
-              <p:spPr>
-                <a:xfrm>
-                  <a:off x="2751691" y="3498245"/>
-                  <a:ext cx="466794" cy="369332"/>
-                </a:xfrm>
-                <a:prstGeom prst="rect">
-                  <a:avLst/>
-                </a:prstGeom>
-                <a:noFill/>
-              </p:spPr>
-              <p:txBody>
-                <a:bodyPr wrap="none" rtlCol="0">
-                  <a:spAutoFit/>
-                </a:bodyPr>
-                <a:lstStyle/>
-                <a:p>
-                  <a:r>
-                    <a:rPr lang="en-US" dirty="0">
-                      <a:latin typeface="Arial" panose="020B0604020202020204" pitchFamily="34" charset="0"/>
-                      <a:cs typeface="Arial" panose="020B0604020202020204" pitchFamily="34" charset="0"/>
-                    </a:rPr>
-                    <a:t>B7</a:t>
+                    <a:t>BT3</a:t>
                   </a:r>
                 </a:p>
               </p:txBody>
@@ -6714,7 +6620,7 @@
               </p:nvCxnSpPr>
               <p:spPr>
                 <a:xfrm rot="16200000">
-                  <a:off x="2771774" y="3347534"/>
+                  <a:off x="926750" y="3347534"/>
                   <a:ext cx="341506" cy="0"/>
                 </a:xfrm>
                 <a:prstGeom prst="straightConnector1">
@@ -6757,10 +6663,10 @@
             </p:nvGrpSpPr>
             <p:grpSpPr>
               <a:xfrm>
-                <a:off x="7285614" y="3227650"/>
-                <a:ext cx="466794" cy="690796"/>
-                <a:chOff x="2751691" y="3176781"/>
-                <a:chExt cx="466794" cy="690796"/>
+                <a:off x="5916072" y="3216398"/>
+                <a:ext cx="607859" cy="690796"/>
+                <a:chOff x="1382149" y="3165529"/>
+                <a:chExt cx="607859" cy="690796"/>
               </a:xfrm>
             </p:grpSpPr>
             <p:sp>
@@ -6777,8 +6683,8 @@
               </p:nvSpPr>
               <p:spPr>
                 <a:xfrm>
-                  <a:off x="2751691" y="3498245"/>
-                  <a:ext cx="466794" cy="369332"/>
+                  <a:off x="1382149" y="3486993"/>
+                  <a:ext cx="607859" cy="369332"/>
                 </a:xfrm>
                 <a:prstGeom prst="rect">
                   <a:avLst/>
@@ -6796,7 +6702,7 @@
                       <a:latin typeface="Arial" panose="020B0604020202020204" pitchFamily="34" charset="0"/>
                       <a:cs typeface="Arial" panose="020B0604020202020204" pitchFamily="34" charset="0"/>
                     </a:rPr>
-                    <a:t>B6</a:t>
+                    <a:t>BT2</a:t>
                   </a:r>
                 </a:p>
               </p:txBody>
@@ -6817,7 +6723,7 @@
               </p:nvCxnSpPr>
               <p:spPr>
                 <a:xfrm rot="16200000">
-                  <a:off x="2771774" y="3347534"/>
+                  <a:off x="1402232" y="3336282"/>
                   <a:ext cx="341506" cy="0"/>
                 </a:xfrm>
                 <a:prstGeom prst="straightConnector1">
@@ -6860,10 +6766,10 @@
             </p:nvGrpSpPr>
             <p:grpSpPr>
               <a:xfrm>
-                <a:off x="5910733" y="3229746"/>
-                <a:ext cx="466794" cy="690796"/>
-                <a:chOff x="2751691" y="3176781"/>
-                <a:chExt cx="466794" cy="690796"/>
+                <a:off x="4995060" y="3220973"/>
+                <a:ext cx="607859" cy="690796"/>
+                <a:chOff x="1836018" y="3168008"/>
+                <a:chExt cx="607859" cy="690796"/>
               </a:xfrm>
             </p:grpSpPr>
             <p:sp>
@@ -6880,8 +6786,8 @@
               </p:nvSpPr>
               <p:spPr>
                 <a:xfrm>
-                  <a:off x="2751691" y="3498245"/>
-                  <a:ext cx="466794" cy="369332"/>
+                  <a:off x="1836018" y="3489472"/>
+                  <a:ext cx="607859" cy="369332"/>
                 </a:xfrm>
                 <a:prstGeom prst="rect">
                   <a:avLst/>
@@ -6899,7 +6805,7 @@
                       <a:latin typeface="Arial" panose="020B0604020202020204" pitchFamily="34" charset="0"/>
                       <a:cs typeface="Arial" panose="020B0604020202020204" pitchFamily="34" charset="0"/>
                     </a:rPr>
-                    <a:t>B5</a:t>
+                    <a:t>BT1</a:t>
                   </a:r>
                 </a:p>
               </p:txBody>
@@ -6920,7 +6826,7 @@
               </p:nvCxnSpPr>
               <p:spPr>
                 <a:xfrm rot="16200000">
-                  <a:off x="2771774" y="3347534"/>
+                  <a:off x="1856101" y="3338761"/>
                   <a:ext cx="341506" cy="0"/>
                 </a:xfrm>
                 <a:prstGeom prst="straightConnector1">
@@ -7002,7 +6908,7 @@
                       <a:latin typeface="Arial" panose="020B0604020202020204" pitchFamily="34" charset="0"/>
                       <a:cs typeface="Arial" panose="020B0604020202020204" pitchFamily="34" charset="0"/>
                     </a:rPr>
-                    <a:t>B4</a:t>
+                    <a:t>B5</a:t>
                   </a:r>
                 </a:p>
               </p:txBody>
@@ -7013,118 +6919,6 @@
                   <a:extLst>
                     <a:ext uri="{FF2B5EF4-FFF2-40B4-BE49-F238E27FC236}">
                       <a16:creationId xmlns:a16="http://schemas.microsoft.com/office/drawing/2014/main" id="{9095AB57-C3E4-46B9-8449-549D68F22480}"/>
-                    </a:ext>
-                  </a:extLst>
-                </p:cNvPr>
-                <p:cNvCxnSpPr>
-                  <a:cxnSpLocks/>
-                </p:cNvCxnSpPr>
-                <p:nvPr/>
-              </p:nvCxnSpPr>
-              <p:spPr>
-                <a:xfrm rot="16200000">
-                  <a:off x="2771774" y="3347534"/>
-                  <a:ext cx="341506" cy="0"/>
-                </a:xfrm>
-                <a:prstGeom prst="straightConnector1">
-                  <a:avLst/>
-                </a:prstGeom>
-                <a:ln w="19050">
-                  <a:solidFill>
-                    <a:schemeClr val="tx1"/>
-                  </a:solidFill>
-                  <a:tailEnd type="triangle"/>
-                </a:ln>
-              </p:spPr>
-              <p:style>
-                <a:lnRef idx="1">
-                  <a:schemeClr val="accent1"/>
-                </a:lnRef>
-                <a:fillRef idx="0">
-                  <a:schemeClr val="accent1"/>
-                </a:fillRef>
-                <a:effectRef idx="0">
-                  <a:schemeClr val="accent1"/>
-                </a:effectRef>
-                <a:fontRef idx="minor">
-                  <a:schemeClr val="tx1"/>
-                </a:fontRef>
-              </p:style>
-            </p:cxnSp>
-          </p:grpSp>
-          <p:grpSp>
-            <p:nvGrpSpPr>
-              <p:cNvPr id="256" name="Group 255">
-                <a:extLst>
-                  <a:ext uri="{FF2B5EF4-FFF2-40B4-BE49-F238E27FC236}">
-                    <a16:creationId xmlns:a16="http://schemas.microsoft.com/office/drawing/2014/main" id="{19B505DE-F7BC-47DB-ACAA-C744251EA26E}"/>
-                  </a:ext>
-                </a:extLst>
-              </p:cNvPr>
-              <p:cNvGrpSpPr/>
-              <p:nvPr/>
-            </p:nvGrpSpPr>
-            <p:grpSpPr>
-              <a:xfrm>
-                <a:off x="11464096" y="3224998"/>
-                <a:ext cx="479618" cy="967795"/>
-                <a:chOff x="2751691" y="3176781"/>
-                <a:chExt cx="479618" cy="967795"/>
-              </a:xfrm>
-            </p:grpSpPr>
-            <p:sp>
-              <p:nvSpPr>
-                <p:cNvPr id="257" name="TextBox 256">
-                  <a:extLst>
-                    <a:ext uri="{FF2B5EF4-FFF2-40B4-BE49-F238E27FC236}">
-                      <a16:creationId xmlns:a16="http://schemas.microsoft.com/office/drawing/2014/main" id="{74CBFA0C-4442-4C3B-91AE-CDFFF41CD542}"/>
-                    </a:ext>
-                  </a:extLst>
-                </p:cNvPr>
-                <p:cNvSpPr txBox="1"/>
-                <p:nvPr/>
-              </p:nvSpPr>
-              <p:spPr>
-                <a:xfrm>
-                  <a:off x="2751691" y="3498245"/>
-                  <a:ext cx="479618" cy="646331"/>
-                </a:xfrm>
-                <a:prstGeom prst="rect">
-                  <a:avLst/>
-                </a:prstGeom>
-                <a:noFill/>
-              </p:spPr>
-              <p:txBody>
-                <a:bodyPr wrap="none" rtlCol="0">
-                  <a:spAutoFit/>
-                </a:bodyPr>
-                <a:lstStyle/>
-                <a:p>
-                  <a:r>
-                    <a:rPr lang="en-US" dirty="0">
-                      <a:latin typeface="Arial" panose="020B0604020202020204" pitchFamily="34" charset="0"/>
-                      <a:cs typeface="Arial" panose="020B0604020202020204" pitchFamily="34" charset="0"/>
-                    </a:rPr>
-                    <a:t>C1</a:t>
-                  </a:r>
-                </a:p>
-                <a:p>
-                  <a:r>
-                    <a:rPr lang="en-US" dirty="0">
-                      <a:latin typeface="Arial" panose="020B0604020202020204" pitchFamily="34" charset="0"/>
-                      <a:cs typeface="Arial" panose="020B0604020202020204" pitchFamily="34" charset="0"/>
-                    </a:rPr>
-                    <a:t>B9</a:t>
-                  </a:r>
-                </a:p>
-              </p:txBody>
-            </p:sp>
-            <p:cxnSp>
-              <p:nvCxnSpPr>
-                <p:cNvPr id="258" name="Straight Arrow Connector 257">
-                  <a:extLst>
-                    <a:ext uri="{FF2B5EF4-FFF2-40B4-BE49-F238E27FC236}">
-                      <a16:creationId xmlns:a16="http://schemas.microsoft.com/office/drawing/2014/main" id="{1E55285E-DA3A-45E5-91BC-721D84BD319F}"/>
                     </a:ext>
                   </a:extLst>
                 </p:cNvPr>
@@ -7179,9 +6973,9 @@
             <p:grpSpPr>
               <a:xfrm>
                 <a:off x="2676940" y="3226128"/>
-                <a:ext cx="466794" cy="967795"/>
+                <a:ext cx="466794" cy="690796"/>
                 <a:chOff x="2751691" y="3176781"/>
-                <a:chExt cx="466794" cy="967795"/>
+                <a:chExt cx="466794" cy="690796"/>
               </a:xfrm>
             </p:grpSpPr>
             <p:sp>
@@ -7199,7 +6993,7 @@
               <p:spPr>
                 <a:xfrm>
                   <a:off x="2751691" y="3498245"/>
-                  <a:ext cx="466794" cy="646331"/>
+                  <a:ext cx="466794" cy="369332"/>
                 </a:xfrm>
                 <a:prstGeom prst="rect">
                   <a:avLst/>
@@ -7218,15 +7012,6 @@
                       <a:cs typeface="Arial" panose="020B0604020202020204" pitchFamily="34" charset="0"/>
                     </a:rPr>
                     <a:t>S3</a:t>
-                  </a:r>
-                </a:p>
-                <a:p>
-                  <a:r>
-                    <a:rPr lang="en-US" dirty="0">
-                      <a:latin typeface="Arial" panose="020B0604020202020204" pitchFamily="34" charset="0"/>
-                      <a:cs typeface="Arial" panose="020B0604020202020204" pitchFamily="34" charset="0"/>
-                    </a:rPr>
-                    <a:t>B2</a:t>
                   </a:r>
                 </a:p>
               </p:txBody>
@@ -7290,9 +7075,9 @@
             </p:nvGrpSpPr>
             <p:grpSpPr>
               <a:xfrm>
-                <a:off x="3593335" y="3226128"/>
+                <a:off x="3146739" y="3221741"/>
                 <a:ext cx="466794" cy="690796"/>
-                <a:chOff x="2751691" y="3176781"/>
+                <a:chOff x="2305095" y="3172394"/>
                 <a:chExt cx="466794" cy="690796"/>
               </a:xfrm>
             </p:grpSpPr>
@@ -7310,7 +7095,7 @@
               </p:nvSpPr>
               <p:spPr>
                 <a:xfrm>
-                  <a:off x="2751691" y="3498245"/>
+                  <a:off x="2305095" y="3493858"/>
                   <a:ext cx="466794" cy="369332"/>
                 </a:xfrm>
                 <a:prstGeom prst="rect">
@@ -7350,7 +7135,7 @@
               </p:nvCxnSpPr>
               <p:spPr>
                 <a:xfrm rot="16200000">
-                  <a:off x="2771774" y="3347534"/>
+                  <a:off x="2325178" y="3343147"/>
                   <a:ext cx="341506" cy="0"/>
                 </a:xfrm>
                 <a:prstGeom prst="straightConnector1">
@@ -10519,7 +10304,7 @@
         <p:spPr>
           <a:xfrm>
             <a:off x="398665" y="4171810"/>
-            <a:ext cx="3395948" cy="954107"/>
+            <a:ext cx="3395948" cy="738664"/>
           </a:xfrm>
           <a:prstGeom prst="rect">
             <a:avLst/>
@@ -10540,19 +10325,13 @@
           <a:p>
             <a:r>
               <a:rPr lang="en-NZ" sz="1400" dirty="0"/>
-              <a:t>B = artificial saliva samples</a:t>
+              <a:t>B = pre-treatment artificial saliva samples</a:t>
             </a:r>
           </a:p>
           <a:p>
             <a:r>
               <a:rPr lang="en-NZ" sz="1400" dirty="0"/>
-              <a:t>B1 = artificial saliva stock solution</a:t>
-            </a:r>
-          </a:p>
-          <a:p>
-            <a:r>
-              <a:rPr lang="en-NZ" sz="1400" dirty="0"/>
-              <a:t>C = final plaque sample</a:t>
+              <a:t>BT = post-treatment artificial saliva samples</a:t>
             </a:r>
           </a:p>
         </p:txBody>
@@ -11257,6 +11036,88 @@
           </a:graphicData>
         </a:graphic>
       </p:graphicFrame>
+      <p:sp>
+        <p:nvSpPr>
+          <p:cNvPr id="230" name="TextBox 229">
+            <a:extLst>
+              <a:ext uri="{FF2B5EF4-FFF2-40B4-BE49-F238E27FC236}">
+                <a16:creationId xmlns:a16="http://schemas.microsoft.com/office/drawing/2014/main" id="{640C8FCC-4511-4420-AC00-8A066B8FF61B}"/>
+              </a:ext>
+            </a:extLst>
+          </p:cNvPr>
+          <p:cNvSpPr txBox="1"/>
+          <p:nvPr/>
+        </p:nvSpPr>
+        <p:spPr>
+          <a:xfrm>
+            <a:off x="4047460" y="3119202"/>
+            <a:ext cx="466794" cy="369332"/>
+          </a:xfrm>
+          <a:prstGeom prst="rect">
+            <a:avLst/>
+          </a:prstGeom>
+          <a:noFill/>
+        </p:spPr>
+        <p:txBody>
+          <a:bodyPr wrap="none" rtlCol="0">
+            <a:spAutoFit/>
+          </a:bodyPr>
+          <a:lstStyle/>
+          <a:p>
+            <a:r>
+              <a:rPr lang="en-US" dirty="0">
+                <a:latin typeface="Arial" panose="020B0604020202020204" pitchFamily="34" charset="0"/>
+                <a:cs typeface="Arial" panose="020B0604020202020204" pitchFamily="34" charset="0"/>
+              </a:rPr>
+              <a:t>B4</a:t>
+            </a:r>
+          </a:p>
+        </p:txBody>
+      </p:sp>
+      <p:cxnSp>
+        <p:nvCxnSpPr>
+          <p:cNvPr id="267" name="Straight Arrow Connector 266">
+            <a:extLst>
+              <a:ext uri="{FF2B5EF4-FFF2-40B4-BE49-F238E27FC236}">
+                <a16:creationId xmlns:a16="http://schemas.microsoft.com/office/drawing/2014/main" id="{ECE4EC84-7A72-4641-B42E-887C99318746}"/>
+              </a:ext>
+            </a:extLst>
+          </p:cNvPr>
+          <p:cNvCxnSpPr>
+            <a:cxnSpLocks/>
+          </p:cNvCxnSpPr>
+          <p:nvPr/>
+        </p:nvCxnSpPr>
+        <p:spPr>
+          <a:xfrm rot="16200000">
+            <a:off x="4067543" y="2968491"/>
+            <a:ext cx="341506" cy="0"/>
+          </a:xfrm>
+          <a:prstGeom prst="straightConnector1">
+            <a:avLst/>
+          </a:prstGeom>
+          <a:ln w="19050">
+            <a:solidFill>
+              <a:schemeClr val="tx1"/>
+            </a:solidFill>
+            <a:tailEnd type="triangle"/>
+          </a:ln>
+        </p:spPr>
+        <p:style>
+          <a:lnRef idx="1">
+            <a:schemeClr val="accent1"/>
+          </a:lnRef>
+          <a:fillRef idx="0">
+            <a:schemeClr val="accent1"/>
+          </a:fillRef>
+          <a:effectRef idx="0">
+            <a:schemeClr val="accent1"/>
+          </a:effectRef>
+          <a:fontRef idx="minor">
+            <a:schemeClr val="tx1"/>
+          </a:fontRef>
+        </p:style>
+      </p:cxnSp>
     </p:spTree>
     <p:extLst>
       <p:ext uri="{BB962C8B-B14F-4D97-AF65-F5344CB8AC3E}">
